--- a/Introduction_Framework_Overview_1.pptx
+++ b/Introduction_Framework_Overview_1.pptx
@@ -9829,8 +9829,8 @@
         </p:nvSpPr>
         <p:spPr>
           <a:xfrm>
-            <a:off x="1615068" y="4648200"/>
-            <a:ext cx="9067800" cy="2286000"/>
+            <a:off x="1615068" y="5638800"/>
+            <a:ext cx="9067800" cy="1295400"/>
           </a:xfrm>
         </p:spPr>
         <p:txBody>
@@ -9915,7 +9915,7 @@
         <p:spPr>
           <a:xfrm>
             <a:off x="1676400" y="3733801"/>
-            <a:ext cx="8731514" cy="461665"/>
+            <a:ext cx="8731514" cy="1200329"/>
           </a:xfrm>
           <a:prstGeom prst="rect">
             <a:avLst/>
@@ -9935,7 +9935,26 @@
               <a:rPr lang="en-US" sz="2400" dirty="0">
                 <a:latin typeface="Book Antiqua" charset="0"/>
               </a:rPr>
-              <a:t>Defining a Field, a School and a Curriculum </a:t>
+              <a:t>Defining a Field, a School and a Curriculum</a:t>
+            </a:r>
+          </a:p>
+          <a:p>
+            <a:pPr lvl="1" algn="ctr">
+              <a:defRPr/>
+            </a:pPr>
+            <a:endParaRPr lang="en-US" sz="2400" dirty="0">
+              <a:latin typeface="Book Antiqua" charset="0"/>
+            </a:endParaRPr>
+          </a:p>
+          <a:p>
+            <a:pPr lvl="1" algn="ctr">
+              <a:defRPr/>
+            </a:pPr>
+            <a:r>
+              <a:rPr lang="en-US" sz="2400" b="1" dirty="0">
+                <a:latin typeface="Book Antiqua" charset="0"/>
+              </a:rPr>
+              <a:t>Walk Around Get to Know Each Other – 5 Minutes </a:t>
             </a:r>
           </a:p>
         </p:txBody>
